--- a/20231202_zoom.pptx
+++ b/20231202_zoom.pptx
@@ -5,17 +5,19 @@
     <p:sldMasterId id="2147483772" r:id="rId1"/>
   </p:sldMasterIdLst>
   <p:notesMasterIdLst>
-    <p:notesMasterId r:id="rId7"/>
+    <p:notesMasterId r:id="rId9"/>
   </p:notesMasterIdLst>
   <p:handoutMasterIdLst>
-    <p:handoutMasterId r:id="rId8"/>
+    <p:handoutMasterId r:id="rId10"/>
   </p:handoutMasterIdLst>
   <p:sldIdLst>
     <p:sldId id="656" r:id="rId2"/>
     <p:sldId id="659" r:id="rId3"/>
     <p:sldId id="662" r:id="rId4"/>
-    <p:sldId id="663" r:id="rId5"/>
-    <p:sldId id="661" r:id="rId6"/>
+    <p:sldId id="665" r:id="rId5"/>
+    <p:sldId id="664" r:id="rId6"/>
+    <p:sldId id="663" r:id="rId7"/>
+    <p:sldId id="661" r:id="rId8"/>
   </p:sldIdLst>
   <p:sldSz cx="9906000" cy="6858000" type="A4"/>
   <p:notesSz cx="6735763" cy="9866313"/>
@@ -122,6 +124,8 @@
             <p14:sldId id="656"/>
             <p14:sldId id="659"/>
             <p14:sldId id="662"/>
+            <p14:sldId id="665"/>
+            <p14:sldId id="664"/>
             <p14:sldId id="663"/>
             <p14:sldId id="661"/>
           </p14:sldIdLst>
@@ -291,7 +295,7 @@
           <a:p>
             <a:fld id="{46F42610-14FF-4B40-B4B6-786DE4FB8FEA}" type="datetime1">
               <a:rPr lang="ko-KR" altLang="en-US" smtClean="0"/>
-              <a:t>2023-12-02</a:t>
+              <a:t>2023-12-04</a:t>
             </a:fld>
             <a:endParaRPr lang="ko-KR" altLang="en-US"/>
           </a:p>
@@ -457,7 +461,7 @@
           <a:p>
             <a:fld id="{513A899E-F476-4791-9F16-0B14047B11F2}" type="datetime1">
               <a:rPr lang="ko-KR" altLang="en-US" smtClean="0"/>
-              <a:t>2023-12-02</a:t>
+              <a:t>2023-12-04</a:t>
             </a:fld>
             <a:endParaRPr lang="ko-KR" altLang="en-US"/>
           </a:p>
@@ -915,7 +919,7 @@
             <a:fld id="{1D8BD707-D9CF-40AE-B4C6-C98DA3205C09}" type="datetimeFigureOut">
               <a:rPr lang="en-US" smtClean="0"/>
               <a:pPr defTabSz="914400" latinLnBrk="0"/>
-              <a:t>12/2/2023</a:t>
+              <a:t>12/4/2023</a:t>
             </a:fld>
             <a:endParaRPr lang="en-US"/>
           </a:p>
@@ -1123,7 +1127,7 @@
             <a:fld id="{1D8BD707-D9CF-40AE-B4C6-C98DA3205C09}" type="datetimeFigureOut">
               <a:rPr lang="en-US" smtClean="0"/>
               <a:pPr defTabSz="914400" latinLnBrk="0"/>
-              <a:t>12/2/2023</a:t>
+              <a:t>12/4/2023</a:t>
             </a:fld>
             <a:endParaRPr lang="en-US"/>
           </a:p>
@@ -1308,7 +1312,7 @@
             <a:fld id="{1D8BD707-D9CF-40AE-B4C6-C98DA3205C09}" type="datetimeFigureOut">
               <a:rPr lang="en-US" smtClean="0"/>
               <a:pPr defTabSz="914400" latinLnBrk="0"/>
-              <a:t>12/2/2023</a:t>
+              <a:t>12/4/2023</a:t>
             </a:fld>
             <a:endParaRPr lang="en-US"/>
           </a:p>
@@ -1481,7 +1485,7 @@
             <a:fld id="{1D8BD707-D9CF-40AE-B4C6-C98DA3205C09}" type="datetimeFigureOut">
               <a:rPr lang="en-US" smtClean="0"/>
               <a:pPr defTabSz="914400" latinLnBrk="0"/>
-              <a:t>12/2/2023</a:t>
+              <a:t>12/4/2023</a:t>
             </a:fld>
             <a:endParaRPr lang="en-US"/>
           </a:p>
@@ -1739,7 +1743,7 @@
             <a:fld id="{1D8BD707-D9CF-40AE-B4C6-C98DA3205C09}" type="datetimeFigureOut">
               <a:rPr lang="en-US" smtClean="0"/>
               <a:pPr defTabSz="914400" latinLnBrk="0"/>
-              <a:t>12/2/2023</a:t>
+              <a:t>12/4/2023</a:t>
             </a:fld>
             <a:endParaRPr lang="en-US"/>
           </a:p>
@@ -2066,7 +2070,7 @@
             <a:fld id="{1D8BD707-D9CF-40AE-B4C6-C98DA3205C09}" type="datetimeFigureOut">
               <a:rPr lang="en-US" smtClean="0"/>
               <a:pPr defTabSz="914400" latinLnBrk="0"/>
-              <a:t>12/2/2023</a:t>
+              <a:t>12/4/2023</a:t>
             </a:fld>
             <a:endParaRPr lang="en-US"/>
           </a:p>
@@ -2542,7 +2546,7 @@
             <a:fld id="{1D8BD707-D9CF-40AE-B4C6-C98DA3205C09}" type="datetimeFigureOut">
               <a:rPr lang="en-US" smtClean="0"/>
               <a:pPr defTabSz="914400" latinLnBrk="0"/>
-              <a:t>12/2/2023</a:t>
+              <a:t>12/4/2023</a:t>
             </a:fld>
             <a:endParaRPr lang="en-US"/>
           </a:p>
@@ -2699,7 +2703,7 @@
             <a:fld id="{1D8BD707-D9CF-40AE-B4C6-C98DA3205C09}" type="datetimeFigureOut">
               <a:rPr lang="en-US" smtClean="0"/>
               <a:pPr defTabSz="914400" latinLnBrk="0"/>
-              <a:t>12/2/2023</a:t>
+              <a:t>12/4/2023</a:t>
             </a:fld>
             <a:endParaRPr lang="en-US"/>
           </a:p>
@@ -2799,7 +2803,7 @@
             <a:fld id="{1D8BD707-D9CF-40AE-B4C6-C98DA3205C09}" type="datetimeFigureOut">
               <a:rPr lang="en-US" smtClean="0"/>
               <a:pPr defTabSz="914400" latinLnBrk="0"/>
-              <a:t>12/2/2023</a:t>
+              <a:t>12/4/2023</a:t>
             </a:fld>
             <a:endParaRPr lang="en-US"/>
           </a:p>
@@ -3083,7 +3087,7 @@
             <a:fld id="{1D8BD707-D9CF-40AE-B4C6-C98DA3205C09}" type="datetimeFigureOut">
               <a:rPr lang="en-US" smtClean="0"/>
               <a:pPr defTabSz="914400" latinLnBrk="0"/>
-              <a:t>12/2/2023</a:t>
+              <a:t>12/4/2023</a:t>
             </a:fld>
             <a:endParaRPr lang="en-US"/>
           </a:p>
@@ -3398,7 +3402,7 @@
             <a:fld id="{1D8BD707-D9CF-40AE-B4C6-C98DA3205C09}" type="datetimeFigureOut">
               <a:rPr lang="en-US" smtClean="0"/>
               <a:pPr defTabSz="914400" latinLnBrk="0"/>
-              <a:t>12/2/2023</a:t>
+              <a:t>12/4/2023</a:t>
             </a:fld>
             <a:endParaRPr lang="en-US"/>
           </a:p>
@@ -3764,7 +3768,7 @@
             <a:fld id="{1D8BD707-D9CF-40AE-B4C6-C98DA3205C09}" type="datetimeFigureOut">
               <a:rPr lang="en-US" smtClean="0"/>
               <a:pPr defTabSz="914400" latinLnBrk="0"/>
-              <a:t>12/2/2023</a:t>
+              <a:t>12/4/2023</a:t>
             </a:fld>
             <a:endParaRPr lang="en-US"/>
           </a:p>
@@ -4891,7 +4895,7 @@
         <p:spPr>
           <a:xfrm>
             <a:off x="495300" y="1670617"/>
-            <a:ext cx="4431348" cy="2961768"/>
+            <a:ext cx="3660009" cy="2446230"/>
           </a:xfrm>
           <a:prstGeom prst="rect">
             <a:avLst/>
@@ -4921,7 +4925,7 @@
         <p:spPr>
           <a:xfrm>
             <a:off x="5060662" y="1670617"/>
-            <a:ext cx="4431348" cy="2961768"/>
+            <a:ext cx="3695411" cy="2469892"/>
           </a:xfrm>
           <a:prstGeom prst="rect">
             <a:avLst/>
@@ -4942,6 +4946,224 @@
 </file>
 
 <file path=ppt/slides/slide4.xml><?xml version="1.0" encoding="utf-8"?>
+<p:sld xmlns:a="http://schemas.openxmlformats.org/drawingml/2006/main" xmlns:r="http://schemas.openxmlformats.org/officeDocument/2006/relationships" xmlns:p="http://schemas.openxmlformats.org/presentationml/2006/main">
+  <p:cSld>
+    <p:spTree>
+      <p:nvGrpSpPr>
+        <p:cNvPr id="1" name=""/>
+        <p:cNvGrpSpPr/>
+        <p:nvPr/>
+      </p:nvGrpSpPr>
+      <p:grpSpPr>
+        <a:xfrm>
+          <a:off x="0" y="0"/>
+          <a:ext cx="0" cy="0"/>
+          <a:chOff x="0" y="0"/>
+          <a:chExt cx="0" cy="0"/>
+        </a:xfrm>
+      </p:grpSpPr>
+      <p:sp>
+        <p:nvSpPr>
+          <p:cNvPr id="2" name="제목 1"/>
+          <p:cNvSpPr>
+            <a:spLocks noGrp="1"/>
+          </p:cNvSpPr>
+          <p:nvPr>
+            <p:ph type="title"/>
+          </p:nvPr>
+        </p:nvSpPr>
+        <p:spPr/>
+        <p:txBody>
+          <a:bodyPr/>
+          <a:lstStyle/>
+          <a:p>
+            <a:endParaRPr lang="en-US"/>
+          </a:p>
+        </p:txBody>
+      </p:sp>
+      <p:pic>
+        <p:nvPicPr>
+          <p:cNvPr id="3" name="그림 2"/>
+          <p:cNvPicPr>
+            <a:picLocks noChangeAspect="1"/>
+          </p:cNvPicPr>
+          <p:nvPr/>
+        </p:nvPicPr>
+        <p:blipFill>
+          <a:blip r:embed="rId2"/>
+          <a:stretch>
+            <a:fillRect/>
+          </a:stretch>
+        </p:blipFill>
+        <p:spPr>
+          <a:xfrm>
+            <a:off x="495300" y="1758518"/>
+            <a:ext cx="4488211" cy="3007446"/>
+          </a:xfrm>
+          <a:prstGeom prst="rect">
+            <a:avLst/>
+          </a:prstGeom>
+        </p:spPr>
+      </p:pic>
+      <p:pic>
+        <p:nvPicPr>
+          <p:cNvPr id="4" name="그림 3"/>
+          <p:cNvPicPr>
+            <a:picLocks noChangeAspect="1"/>
+          </p:cNvPicPr>
+          <p:nvPr/>
+        </p:nvPicPr>
+        <p:blipFill>
+          <a:blip r:embed="rId3"/>
+          <a:stretch>
+            <a:fillRect/>
+          </a:stretch>
+        </p:blipFill>
+        <p:spPr>
+          <a:xfrm>
+            <a:off x="5156517" y="1863789"/>
+            <a:ext cx="4587899" cy="3005074"/>
+          </a:xfrm>
+          <a:prstGeom prst="rect">
+            <a:avLst/>
+          </a:prstGeom>
+        </p:spPr>
+      </p:pic>
+    </p:spTree>
+    <p:extLst>
+      <p:ext uri="{BB962C8B-B14F-4D97-AF65-F5344CB8AC3E}">
+        <p14:creationId xmlns:p14="http://schemas.microsoft.com/office/powerpoint/2010/main" val="452660584"/>
+      </p:ext>
+    </p:extLst>
+  </p:cSld>
+  <p:clrMapOvr>
+    <a:masterClrMapping/>
+  </p:clrMapOvr>
+</p:sld>
+</file>
+
+<file path=ppt/slides/slide5.xml><?xml version="1.0" encoding="utf-8"?>
+<p:sld xmlns:a="http://schemas.openxmlformats.org/drawingml/2006/main" xmlns:r="http://schemas.openxmlformats.org/officeDocument/2006/relationships" xmlns:p="http://schemas.openxmlformats.org/presentationml/2006/main">
+  <p:cSld>
+    <p:spTree>
+      <p:nvGrpSpPr>
+        <p:cNvPr id="1" name=""/>
+        <p:cNvGrpSpPr/>
+        <p:nvPr/>
+      </p:nvGrpSpPr>
+      <p:grpSpPr>
+        <a:xfrm>
+          <a:off x="0" y="0"/>
+          <a:ext cx="0" cy="0"/>
+          <a:chOff x="0" y="0"/>
+          <a:chExt cx="0" cy="0"/>
+        </a:xfrm>
+      </p:grpSpPr>
+      <p:sp>
+        <p:nvSpPr>
+          <p:cNvPr id="2" name="제목 1"/>
+          <p:cNvSpPr>
+            <a:spLocks noGrp="1"/>
+          </p:cNvSpPr>
+          <p:nvPr>
+            <p:ph type="title"/>
+          </p:nvPr>
+        </p:nvSpPr>
+        <p:spPr/>
+        <p:txBody>
+          <a:bodyPr/>
+          <a:lstStyle/>
+          <a:p>
+            <a:endParaRPr lang="en-US"/>
+          </a:p>
+        </p:txBody>
+      </p:sp>
+      <p:pic>
+        <p:nvPicPr>
+          <p:cNvPr id="3" name="그림 2"/>
+          <p:cNvPicPr>
+            <a:picLocks noChangeAspect="1"/>
+          </p:cNvPicPr>
+          <p:nvPr/>
+        </p:nvPicPr>
+        <p:blipFill>
+          <a:blip r:embed="rId2"/>
+          <a:stretch>
+            <a:fillRect/>
+          </a:stretch>
+        </p:blipFill>
+        <p:spPr>
+          <a:xfrm>
+            <a:off x="358033" y="1891836"/>
+            <a:ext cx="3491321" cy="2369111"/>
+          </a:xfrm>
+          <a:prstGeom prst="rect">
+            <a:avLst/>
+          </a:prstGeom>
+        </p:spPr>
+      </p:pic>
+      <p:pic>
+        <p:nvPicPr>
+          <p:cNvPr id="4" name="그림 3"/>
+          <p:cNvPicPr>
+            <a:picLocks noChangeAspect="1"/>
+          </p:cNvPicPr>
+          <p:nvPr/>
+        </p:nvPicPr>
+        <p:blipFill>
+          <a:blip r:embed="rId3"/>
+          <a:stretch>
+            <a:fillRect/>
+          </a:stretch>
+        </p:blipFill>
+        <p:spPr>
+          <a:xfrm>
+            <a:off x="4274753" y="1976127"/>
+            <a:ext cx="3418509" cy="2284820"/>
+          </a:xfrm>
+          <a:prstGeom prst="rect">
+            <a:avLst/>
+          </a:prstGeom>
+        </p:spPr>
+      </p:pic>
+      <p:pic>
+        <p:nvPicPr>
+          <p:cNvPr id="5" name="그림 4"/>
+          <p:cNvPicPr>
+            <a:picLocks noChangeAspect="1"/>
+          </p:cNvPicPr>
+          <p:nvPr/>
+        </p:nvPicPr>
+        <p:blipFill>
+          <a:blip r:embed="rId4"/>
+          <a:stretch>
+            <a:fillRect/>
+          </a:stretch>
+        </p:blipFill>
+        <p:spPr>
+          <a:xfrm>
+            <a:off x="4284765" y="4319035"/>
+            <a:ext cx="3408497" cy="2313540"/>
+          </a:xfrm>
+          <a:prstGeom prst="rect">
+            <a:avLst/>
+          </a:prstGeom>
+        </p:spPr>
+      </p:pic>
+    </p:spTree>
+    <p:extLst>
+      <p:ext uri="{BB962C8B-B14F-4D97-AF65-F5344CB8AC3E}">
+        <p14:creationId xmlns:p14="http://schemas.microsoft.com/office/powerpoint/2010/main" val="308446339"/>
+      </p:ext>
+    </p:extLst>
+  </p:cSld>
+  <p:clrMapOvr>
+    <a:masterClrMapping/>
+  </p:clrMapOvr>
+</p:sld>
+</file>
+
+<file path=ppt/slides/slide6.xml><?xml version="1.0" encoding="utf-8"?>
 <p:sld xmlns:a="http://schemas.openxmlformats.org/drawingml/2006/main" xmlns:r="http://schemas.openxmlformats.org/officeDocument/2006/relationships" xmlns:p="http://schemas.openxmlformats.org/presentationml/2006/main">
   <p:cSld>
     <p:spTree>
@@ -5031,7 +5253,7 @@
 </p:sld>
 </file>
 
-<file path=ppt/slides/slide5.xml><?xml version="1.0" encoding="utf-8"?>
+<file path=ppt/slides/slide7.xml><?xml version="1.0" encoding="utf-8"?>
 <p:sld xmlns:a="http://schemas.openxmlformats.org/drawingml/2006/main" xmlns:r="http://schemas.openxmlformats.org/officeDocument/2006/relationships" xmlns:p="http://schemas.openxmlformats.org/presentationml/2006/main">
   <p:cSld>
     <p:spTree>

--- a/20231202_zoom.pptx
+++ b/20231202_zoom.pptx
@@ -5,19 +5,18 @@
     <p:sldMasterId id="2147483772" r:id="rId1"/>
   </p:sldMasterIdLst>
   <p:notesMasterIdLst>
-    <p:notesMasterId r:id="rId9"/>
+    <p:notesMasterId r:id="rId8"/>
   </p:notesMasterIdLst>
   <p:handoutMasterIdLst>
-    <p:handoutMasterId r:id="rId10"/>
+    <p:handoutMasterId r:id="rId9"/>
   </p:handoutMasterIdLst>
   <p:sldIdLst>
     <p:sldId id="656" r:id="rId2"/>
     <p:sldId id="659" r:id="rId3"/>
-    <p:sldId id="662" r:id="rId4"/>
-    <p:sldId id="665" r:id="rId5"/>
-    <p:sldId id="664" r:id="rId6"/>
-    <p:sldId id="663" r:id="rId7"/>
-    <p:sldId id="661" r:id="rId8"/>
+    <p:sldId id="665" r:id="rId4"/>
+    <p:sldId id="664" r:id="rId5"/>
+    <p:sldId id="663" r:id="rId6"/>
+    <p:sldId id="661" r:id="rId7"/>
   </p:sldIdLst>
   <p:sldSz cx="9906000" cy="6858000" type="A4"/>
   <p:notesSz cx="6735763" cy="9866313"/>
@@ -123,7 +122,6 @@
           <p14:sldIdLst>
             <p14:sldId id="656"/>
             <p14:sldId id="659"/>
-            <p14:sldId id="662"/>
             <p14:sldId id="665"/>
             <p14:sldId id="664"/>
             <p14:sldId id="663"/>
@@ -295,7 +293,7 @@
           <a:p>
             <a:fld id="{46F42610-14FF-4B40-B4B6-786DE4FB8FEA}" type="datetime1">
               <a:rPr lang="ko-KR" altLang="en-US" smtClean="0"/>
-              <a:t>2023-12-04</a:t>
+              <a:t>2023-12-18</a:t>
             </a:fld>
             <a:endParaRPr lang="ko-KR" altLang="en-US"/>
           </a:p>
@@ -461,7 +459,7 @@
           <a:p>
             <a:fld id="{513A899E-F476-4791-9F16-0B14047B11F2}" type="datetime1">
               <a:rPr lang="ko-KR" altLang="en-US" smtClean="0"/>
-              <a:t>2023-12-04</a:t>
+              <a:t>2023-12-18</a:t>
             </a:fld>
             <a:endParaRPr lang="ko-KR" altLang="en-US"/>
           </a:p>
@@ -919,7 +917,7 @@
             <a:fld id="{1D8BD707-D9CF-40AE-B4C6-C98DA3205C09}" type="datetimeFigureOut">
               <a:rPr lang="en-US" smtClean="0"/>
               <a:pPr defTabSz="914400" latinLnBrk="0"/>
-              <a:t>12/4/2023</a:t>
+              <a:t>12/18/2023</a:t>
             </a:fld>
             <a:endParaRPr lang="en-US"/>
           </a:p>
@@ -1127,7 +1125,7 @@
             <a:fld id="{1D8BD707-D9CF-40AE-B4C6-C98DA3205C09}" type="datetimeFigureOut">
               <a:rPr lang="en-US" smtClean="0"/>
               <a:pPr defTabSz="914400" latinLnBrk="0"/>
-              <a:t>12/4/2023</a:t>
+              <a:t>12/18/2023</a:t>
             </a:fld>
             <a:endParaRPr lang="en-US"/>
           </a:p>
@@ -1312,7 +1310,7 @@
             <a:fld id="{1D8BD707-D9CF-40AE-B4C6-C98DA3205C09}" type="datetimeFigureOut">
               <a:rPr lang="en-US" smtClean="0"/>
               <a:pPr defTabSz="914400" latinLnBrk="0"/>
-              <a:t>12/4/2023</a:t>
+              <a:t>12/18/2023</a:t>
             </a:fld>
             <a:endParaRPr lang="en-US"/>
           </a:p>
@@ -1485,7 +1483,7 @@
             <a:fld id="{1D8BD707-D9CF-40AE-B4C6-C98DA3205C09}" type="datetimeFigureOut">
               <a:rPr lang="en-US" smtClean="0"/>
               <a:pPr defTabSz="914400" latinLnBrk="0"/>
-              <a:t>12/4/2023</a:t>
+              <a:t>12/18/2023</a:t>
             </a:fld>
             <a:endParaRPr lang="en-US"/>
           </a:p>
@@ -1743,7 +1741,7 @@
             <a:fld id="{1D8BD707-D9CF-40AE-B4C6-C98DA3205C09}" type="datetimeFigureOut">
               <a:rPr lang="en-US" smtClean="0"/>
               <a:pPr defTabSz="914400" latinLnBrk="0"/>
-              <a:t>12/4/2023</a:t>
+              <a:t>12/18/2023</a:t>
             </a:fld>
             <a:endParaRPr lang="en-US"/>
           </a:p>
@@ -2070,7 +2068,7 @@
             <a:fld id="{1D8BD707-D9CF-40AE-B4C6-C98DA3205C09}" type="datetimeFigureOut">
               <a:rPr lang="en-US" smtClean="0"/>
               <a:pPr defTabSz="914400" latinLnBrk="0"/>
-              <a:t>12/4/2023</a:t>
+              <a:t>12/18/2023</a:t>
             </a:fld>
             <a:endParaRPr lang="en-US"/>
           </a:p>
@@ -2546,7 +2544,7 @@
             <a:fld id="{1D8BD707-D9CF-40AE-B4C6-C98DA3205C09}" type="datetimeFigureOut">
               <a:rPr lang="en-US" smtClean="0"/>
               <a:pPr defTabSz="914400" latinLnBrk="0"/>
-              <a:t>12/4/2023</a:t>
+              <a:t>12/18/2023</a:t>
             </a:fld>
             <a:endParaRPr lang="en-US"/>
           </a:p>
@@ -2703,7 +2701,7 @@
             <a:fld id="{1D8BD707-D9CF-40AE-B4C6-C98DA3205C09}" type="datetimeFigureOut">
               <a:rPr lang="en-US" smtClean="0"/>
               <a:pPr defTabSz="914400" latinLnBrk="0"/>
-              <a:t>12/4/2023</a:t>
+              <a:t>12/18/2023</a:t>
             </a:fld>
             <a:endParaRPr lang="en-US"/>
           </a:p>
@@ -2803,7 +2801,7 @@
             <a:fld id="{1D8BD707-D9CF-40AE-B4C6-C98DA3205C09}" type="datetimeFigureOut">
               <a:rPr lang="en-US" smtClean="0"/>
               <a:pPr defTabSz="914400" latinLnBrk="0"/>
-              <a:t>12/4/2023</a:t>
+              <a:t>12/18/2023</a:t>
             </a:fld>
             <a:endParaRPr lang="en-US"/>
           </a:p>
@@ -3087,7 +3085,7 @@
             <a:fld id="{1D8BD707-D9CF-40AE-B4C6-C98DA3205C09}" type="datetimeFigureOut">
               <a:rPr lang="en-US" smtClean="0"/>
               <a:pPr defTabSz="914400" latinLnBrk="0"/>
-              <a:t>12/4/2023</a:t>
+              <a:t>12/18/2023</a:t>
             </a:fld>
             <a:endParaRPr lang="en-US"/>
           </a:p>
@@ -3402,7 +3400,7 @@
             <a:fld id="{1D8BD707-D9CF-40AE-B4C6-C98DA3205C09}" type="datetimeFigureOut">
               <a:rPr lang="en-US" smtClean="0"/>
               <a:pPr defTabSz="914400" latinLnBrk="0"/>
-              <a:t>12/4/2023</a:t>
+              <a:t>12/18/2023</a:t>
             </a:fld>
             <a:endParaRPr lang="en-US"/>
           </a:p>
@@ -3768,7 +3766,7 @@
             <a:fld id="{1D8BD707-D9CF-40AE-B4C6-C98DA3205C09}" type="datetimeFigureOut">
               <a:rPr lang="en-US" smtClean="0"/>
               <a:pPr defTabSz="914400" latinLnBrk="0"/>
-              <a:t>12/4/2023</a:t>
+              <a:t>12/18/2023</a:t>
             </a:fld>
             <a:endParaRPr lang="en-US"/>
           </a:p>
@@ -4845,125 +4843,6 @@
       </p:grpSpPr>
       <p:sp>
         <p:nvSpPr>
-          <p:cNvPr id="2" name="제목 1">
-            <a:extLst>
-              <a:ext uri="{FF2B5EF4-FFF2-40B4-BE49-F238E27FC236}">
-                <a16:creationId xmlns:a16="http://schemas.microsoft.com/office/drawing/2014/main" id="{B38E0A0E-7F5E-75CC-0003-B5D9A40377E6}"/>
-              </a:ext>
-            </a:extLst>
-          </p:cNvPr>
-          <p:cNvSpPr>
-            <a:spLocks noGrp="1"/>
-          </p:cNvSpPr>
-          <p:nvPr>
-            <p:ph type="title"/>
-          </p:nvPr>
-        </p:nvSpPr>
-        <p:spPr/>
-        <p:txBody>
-          <a:bodyPr/>
-          <a:lstStyle/>
-          <a:p>
-            <a:r>
-              <a:rPr lang="en-US" altLang="ko-KR" dirty="0"/>
-              <a:t>One more point and Coulomb correction</a:t>
-            </a:r>
-            <a:endParaRPr lang="ko-KR" altLang="en-US" dirty="0"/>
-          </a:p>
-        </p:txBody>
-      </p:sp>
-      <p:pic>
-        <p:nvPicPr>
-          <p:cNvPr id="4" name="그림 3">
-            <a:extLst>
-              <a:ext uri="{FF2B5EF4-FFF2-40B4-BE49-F238E27FC236}">
-                <a16:creationId xmlns:a16="http://schemas.microsoft.com/office/drawing/2014/main" id="{C9F95D39-E615-158B-2CA9-879C5411EB08}"/>
-              </a:ext>
-            </a:extLst>
-          </p:cNvPr>
-          <p:cNvPicPr>
-            <a:picLocks noChangeAspect="1"/>
-          </p:cNvPicPr>
-          <p:nvPr/>
-        </p:nvPicPr>
-        <p:blipFill>
-          <a:blip r:embed="rId2"/>
-          <a:stretch>
-            <a:fillRect/>
-          </a:stretch>
-        </p:blipFill>
-        <p:spPr>
-          <a:xfrm>
-            <a:off x="495300" y="1670617"/>
-            <a:ext cx="3660009" cy="2446230"/>
-          </a:xfrm>
-          <a:prstGeom prst="rect">
-            <a:avLst/>
-          </a:prstGeom>
-        </p:spPr>
-      </p:pic>
-      <p:pic>
-        <p:nvPicPr>
-          <p:cNvPr id="6" name="그림 5">
-            <a:extLst>
-              <a:ext uri="{FF2B5EF4-FFF2-40B4-BE49-F238E27FC236}">
-                <a16:creationId xmlns:a16="http://schemas.microsoft.com/office/drawing/2014/main" id="{0510412A-E8C0-2217-492F-CE5B9C657467}"/>
-              </a:ext>
-            </a:extLst>
-          </p:cNvPr>
-          <p:cNvPicPr>
-            <a:picLocks noChangeAspect="1"/>
-          </p:cNvPicPr>
-          <p:nvPr/>
-        </p:nvPicPr>
-        <p:blipFill>
-          <a:blip r:embed="rId3"/>
-          <a:stretch>
-            <a:fillRect/>
-          </a:stretch>
-        </p:blipFill>
-        <p:spPr>
-          <a:xfrm>
-            <a:off x="5060662" y="1670617"/>
-            <a:ext cx="3695411" cy="2469892"/>
-          </a:xfrm>
-          <a:prstGeom prst="rect">
-            <a:avLst/>
-          </a:prstGeom>
-        </p:spPr>
-      </p:pic>
-    </p:spTree>
-    <p:extLst>
-      <p:ext uri="{BB962C8B-B14F-4D97-AF65-F5344CB8AC3E}">
-        <p14:creationId xmlns:p14="http://schemas.microsoft.com/office/powerpoint/2010/main" val="909454891"/>
-      </p:ext>
-    </p:extLst>
-  </p:cSld>
-  <p:clrMapOvr>
-    <a:masterClrMapping/>
-  </p:clrMapOvr>
-</p:sld>
-</file>
-
-<file path=ppt/slides/slide4.xml><?xml version="1.0" encoding="utf-8"?>
-<p:sld xmlns:a="http://schemas.openxmlformats.org/drawingml/2006/main" xmlns:r="http://schemas.openxmlformats.org/officeDocument/2006/relationships" xmlns:p="http://schemas.openxmlformats.org/presentationml/2006/main">
-  <p:cSld>
-    <p:spTree>
-      <p:nvGrpSpPr>
-        <p:cNvPr id="1" name=""/>
-        <p:cNvGrpSpPr/>
-        <p:nvPr/>
-      </p:nvGrpSpPr>
-      <p:grpSpPr>
-        <a:xfrm>
-          <a:off x="0" y="0"/>
-          <a:ext cx="0" cy="0"/>
-          <a:chOff x="0" y="0"/>
-          <a:chExt cx="0" cy="0"/>
-        </a:xfrm>
-      </p:grpSpPr>
-      <p:sp>
-        <p:nvSpPr>
           <p:cNvPr id="2" name="제목 1"/>
           <p:cNvSpPr>
             <a:spLocks noGrp="1"/>
@@ -5042,7 +4921,7 @@
 </p:sld>
 </file>
 
-<file path=ppt/slides/slide5.xml><?xml version="1.0" encoding="utf-8"?>
+<file path=ppt/slides/slide4.xml><?xml version="1.0" encoding="utf-8"?>
 <p:sld xmlns:a="http://schemas.openxmlformats.org/drawingml/2006/main" xmlns:r="http://schemas.openxmlformats.org/officeDocument/2006/relationships" xmlns:p="http://schemas.openxmlformats.org/presentationml/2006/main">
   <p:cSld>
     <p:spTree>
@@ -5150,6 +5029,50 @@
           </a:prstGeom>
         </p:spPr>
       </p:pic>
+      <p:sp>
+        <p:nvSpPr>
+          <p:cNvPr id="6" name="TextBox 5"/>
+          <p:cNvSpPr txBox="1"/>
+          <p:nvPr/>
+        </p:nvSpPr>
+        <p:spPr>
+          <a:xfrm>
+            <a:off x="320387" y="4978400"/>
+            <a:ext cx="3445163" cy="672492"/>
+          </a:xfrm>
+          <a:prstGeom prst="rect">
+            <a:avLst/>
+          </a:prstGeom>
+          <a:noFill/>
+        </p:spPr>
+        <p:txBody>
+          <a:bodyPr wrap="square" rtlCol="0">
+            <a:spAutoFit/>
+          </a:bodyPr>
+          <a:lstStyle/>
+          <a:p>
+            <a:pPr marL="342900" indent="-342900">
+              <a:buFont typeface="Arial" panose="020B0604020202020204" pitchFamily="34" charset="0"/>
+              <a:buChar char="•"/>
+            </a:pPr>
+            <a:r>
+              <a:rPr lang="en-US" dirty="0" smtClean="0"/>
+              <a:t>Additional large Lt data</a:t>
+            </a:r>
+          </a:p>
+          <a:p>
+            <a:pPr marL="342900" indent="-342900">
+              <a:buFont typeface="Arial" panose="020B0604020202020204" pitchFamily="34" charset="0"/>
+              <a:buChar char="•"/>
+            </a:pPr>
+            <a:r>
+              <a:rPr lang="en-US" dirty="0" smtClean="0"/>
+              <a:t>Fitting without Lt=100</a:t>
+            </a:r>
+            <a:endParaRPr lang="en-US" dirty="0"/>
+          </a:p>
+        </p:txBody>
+      </p:sp>
     </p:spTree>
     <p:extLst>
       <p:ext uri="{BB962C8B-B14F-4D97-AF65-F5344CB8AC3E}">
@@ -5163,7 +5086,7 @@
 </p:sld>
 </file>
 
-<file path=ppt/slides/slide6.xml><?xml version="1.0" encoding="utf-8"?>
+<file path=ppt/slides/slide5.xml><?xml version="1.0" encoding="utf-8"?>
 <p:sld xmlns:a="http://schemas.openxmlformats.org/drawingml/2006/main" xmlns:r="http://schemas.openxmlformats.org/officeDocument/2006/relationships" xmlns:p="http://schemas.openxmlformats.org/presentationml/2006/main">
   <p:cSld>
     <p:spTree>
@@ -5253,7 +5176,7 @@
 </p:sld>
 </file>
 
-<file path=ppt/slides/slide7.xml><?xml version="1.0" encoding="utf-8"?>
+<file path=ppt/slides/slide6.xml><?xml version="1.0" encoding="utf-8"?>
 <p:sld xmlns:a="http://schemas.openxmlformats.org/drawingml/2006/main" xmlns:r="http://schemas.openxmlformats.org/officeDocument/2006/relationships" xmlns:p="http://schemas.openxmlformats.org/presentationml/2006/main">
   <p:cSld>
     <p:spTree>
